--- a/phaser/tutorial - Tiled Map/Aula TiledMap.pptx
+++ b/phaser/tutorial - Tiled Map/Aula TiledMap.pptx
@@ -5,7 +5,7 @@
     <p:sldMasterId id="2147483648" r:id="rId1"/>
   </p:sldMasterIdLst>
   <p:notesMasterIdLst>
-    <p:notesMasterId r:id="rId28"/>
+    <p:notesMasterId r:id="rId29"/>
   </p:notesMasterIdLst>
   <p:sldIdLst>
     <p:sldId id="273" r:id="rId2"/>
@@ -32,8 +32,9 @@
     <p:sldId id="337" r:id="rId23"/>
     <p:sldId id="341" r:id="rId24"/>
     <p:sldId id="342" r:id="rId25"/>
-    <p:sldId id="343" r:id="rId26"/>
-    <p:sldId id="344" r:id="rId27"/>
+    <p:sldId id="345" r:id="rId26"/>
+    <p:sldId id="343" r:id="rId27"/>
+    <p:sldId id="344" r:id="rId28"/>
   </p:sldIdLst>
   <p:sldSz cx="9144000" cy="6858000" type="screen4x3"/>
   <p:notesSz cx="6883400" cy="9906000"/>
@@ -262,7 +263,7 @@
               <a:pPr>
                 <a:defRPr/>
               </a:pPr>
-              <a:t>21/05/2014</a:t>
+              <a:t>22/05/2014</a:t>
             </a:fld>
             <a:endParaRPr lang="pt-BR"/>
           </a:p>
@@ -2893,6 +2894,144 @@
 </p:notes>
 </file>
 
+<file path=ppt/notesSlides/notesSlide25.xml><?xml version="1.0" encoding="utf-8"?>
+<p:notes xmlns:a="http://schemas.openxmlformats.org/drawingml/2006/main" xmlns:r="http://schemas.openxmlformats.org/officeDocument/2006/relationships" xmlns:p="http://schemas.openxmlformats.org/presentationml/2006/main">
+  <p:cSld>
+    <p:bg>
+      <p:bgPr>
+        <a:solidFill>
+          <a:srgbClr val="FFFFFF"/>
+        </a:solidFill>
+        <a:effectLst/>
+      </p:bgPr>
+    </p:bg>
+    <p:spTree>
+      <p:nvGrpSpPr>
+        <p:cNvPr id="1" name=""/>
+        <p:cNvGrpSpPr/>
+        <p:nvPr/>
+      </p:nvGrpSpPr>
+      <p:grpSpPr>
+        <a:xfrm>
+          <a:off x="0" y="0"/>
+          <a:ext cx="0" cy="0"/>
+          <a:chOff x="0" y="0"/>
+          <a:chExt cx="0" cy="0"/>
+        </a:xfrm>
+      </p:grpSpPr>
+      <p:sp>
+        <p:nvSpPr>
+          <p:cNvPr id="58370" name="Rectangle 7"/>
+          <p:cNvSpPr>
+            <a:spLocks noGrp="1" noChangeArrowheads="1"/>
+          </p:cNvSpPr>
+          <p:nvPr>
+            <p:ph type="sldNum" sz="quarter" idx="5"/>
+          </p:nvPr>
+        </p:nvSpPr>
+        <p:spPr bwMode="auto">
+          <a:noFill/>
+          <a:ln>
+            <a:miter lim="800000"/>
+            <a:headEnd/>
+            <a:tailEnd/>
+          </a:ln>
+        </p:spPr>
+        <p:txBody>
+          <a:bodyPr wrap="square" numCol="1" anchorCtr="0" compatLnSpc="1">
+            <a:prstTxWarp prst="textNoShape">
+              <a:avLst/>
+            </a:prstTxWarp>
+          </a:bodyPr>
+          <a:lstStyle/>
+          <a:p>
+            <a:pPr>
+              <a:buFont typeface="StarSymbol"/>
+              <a:buNone/>
+            </a:pPr>
+            <a:fld id="{FD1D574A-4A55-40D4-9403-642B5AB3641F}" type="slidenum">
+              <a:rPr lang="pt-BR" smtClean="0">
+                <a:latin typeface="Times New Roman" pitchFamily="18" charset="0"/>
+                <a:ea typeface="DejaVu Sans"/>
+                <a:cs typeface="DejaVu Sans"/>
+              </a:rPr>
+              <a:pPr>
+                <a:buFont typeface="StarSymbol"/>
+                <a:buNone/>
+              </a:pPr>
+              <a:t>27</a:t>
+            </a:fld>
+            <a:endParaRPr lang="pt-BR" smtClean="0">
+              <a:latin typeface="Times New Roman" pitchFamily="18" charset="0"/>
+              <a:ea typeface="DejaVu Sans"/>
+              <a:cs typeface="DejaVu Sans"/>
+            </a:endParaRPr>
+          </a:p>
+        </p:txBody>
+      </p:sp>
+      <p:sp>
+        <p:nvSpPr>
+          <p:cNvPr id="58371" name="Rectangle 1"/>
+          <p:cNvSpPr>
+            <a:spLocks noGrp="1" noRot="1" noChangeAspect="1" noChangeArrowheads="1" noTextEdit="1"/>
+          </p:cNvSpPr>
+          <p:nvPr>
+            <p:ph type="sldImg"/>
+          </p:nvPr>
+        </p:nvSpPr>
+        <p:spPr bwMode="auto">
+          <a:solidFill>
+            <a:srgbClr val="FFFFFF"/>
+          </a:solidFill>
+          <a:ln>
+            <a:solidFill>
+              <a:srgbClr val="000000"/>
+            </a:solidFill>
+            <a:miter lim="800000"/>
+            <a:headEnd/>
+            <a:tailEnd/>
+          </a:ln>
+        </p:spPr>
+      </p:sp>
+      <p:sp>
+        <p:nvSpPr>
+          <p:cNvPr id="58372" name="Rectangle 2"/>
+          <p:cNvSpPr>
+            <a:spLocks noGrp="1" noChangeArrowheads="1"/>
+          </p:cNvSpPr>
+          <p:nvPr>
+            <p:ph type="body" idx="1"/>
+          </p:nvPr>
+        </p:nvSpPr>
+        <p:spPr bwMode="auto">
+          <a:xfrm>
+            <a:off x="688975" y="4705350"/>
+            <a:ext cx="5505450" cy="4456113"/>
+          </a:xfrm>
+          <a:noFill/>
+        </p:spPr>
+        <p:txBody>
+          <a:bodyPr wrap="none" numCol="1" anchor="ctr" anchorCtr="0" compatLnSpc="1">
+            <a:prstTxWarp prst="textNoShape">
+              <a:avLst/>
+            </a:prstTxWarp>
+          </a:bodyPr>
+          <a:lstStyle/>
+          <a:p>
+            <a:endParaRPr lang="pt-BR" smtClean="0">
+              <a:latin typeface="Times New Roman" pitchFamily="18" charset="0"/>
+            </a:endParaRPr>
+          </a:p>
+        </p:txBody>
+      </p:sp>
+    </p:spTree>
+  </p:cSld>
+  <p:clrMapOvr>
+    <a:masterClrMapping/>
+  </p:clrMapOvr>
+</p:notes>
+</file>
+
 <file path=ppt/notesSlides/notesSlide3.xml><?xml version="1.0" encoding="utf-8"?>
 <p:notes xmlns:a="http://schemas.openxmlformats.org/drawingml/2006/main" xmlns:r="http://schemas.openxmlformats.org/officeDocument/2006/relationships" xmlns:p="http://schemas.openxmlformats.org/presentationml/2006/main">
   <p:cSld>
@@ -4073,7 +4212,7 @@
               <a:pPr>
                 <a:defRPr/>
               </a:pPr>
-              <a:t>21/05/2014</a:t>
+              <a:t>22/05/2014</a:t>
             </a:fld>
             <a:endParaRPr lang="pt-BR"/>
           </a:p>
@@ -4332,7 +4471,7 @@
               <a:pPr>
                 <a:defRPr/>
               </a:pPr>
-              <a:t>21/05/2014</a:t>
+              <a:t>22/05/2014</a:t>
             </a:fld>
             <a:endParaRPr lang="pt-BR"/>
           </a:p>
@@ -4591,7 +4730,7 @@
               <a:pPr>
                 <a:defRPr/>
               </a:pPr>
-              <a:t>21/05/2014</a:t>
+              <a:t>22/05/2014</a:t>
             </a:fld>
             <a:endParaRPr lang="pt-BR"/>
           </a:p>
@@ -4850,7 +4989,7 @@
               <a:pPr>
                 <a:defRPr/>
               </a:pPr>
-              <a:t>21/05/2014</a:t>
+              <a:t>22/05/2014</a:t>
             </a:fld>
             <a:endParaRPr lang="pt-BR"/>
           </a:p>
@@ -5175,7 +5314,7 @@
               <a:pPr>
                 <a:defRPr/>
               </a:pPr>
-              <a:t>21/05/2014</a:t>
+              <a:t>22/05/2014</a:t>
             </a:fld>
             <a:endParaRPr lang="pt-BR"/>
           </a:p>
@@ -5550,7 +5689,7 @@
               <a:pPr>
                 <a:defRPr/>
               </a:pPr>
-              <a:t>21/05/2014</a:t>
+              <a:t>22/05/2014</a:t>
             </a:fld>
             <a:endParaRPr lang="pt-BR"/>
           </a:p>
@@ -6065,7 +6204,7 @@
               <a:pPr>
                 <a:defRPr/>
               </a:pPr>
-              <a:t>21/05/2014</a:t>
+              <a:t>22/05/2014</a:t>
             </a:fld>
             <a:endParaRPr lang="pt-BR"/>
           </a:p>
@@ -6264,7 +6403,7 @@
               <a:pPr>
                 <a:defRPr/>
               </a:pPr>
-              <a:t>21/05/2014</a:t>
+              <a:t>22/05/2014</a:t>
             </a:fld>
             <a:endParaRPr lang="pt-BR"/>
           </a:p>
@@ -6432,7 +6571,7 @@
               <a:pPr>
                 <a:defRPr/>
               </a:pPr>
-              <a:t>21/05/2014</a:t>
+              <a:t>22/05/2014</a:t>
             </a:fld>
             <a:endParaRPr lang="pt-BR"/>
           </a:p>
@@ -6791,7 +6930,7 @@
               <a:pPr>
                 <a:defRPr/>
               </a:pPr>
-              <a:t>21/05/2014</a:t>
+              <a:t>22/05/2014</a:t>
             </a:fld>
             <a:endParaRPr lang="pt-BR"/>
           </a:p>
@@ -7127,7 +7266,7 @@
               <a:pPr>
                 <a:defRPr/>
               </a:pPr>
-              <a:t>21/05/2014</a:t>
+              <a:t>22/05/2014</a:t>
             </a:fld>
             <a:endParaRPr lang="pt-BR"/>
           </a:p>
@@ -12059,7 +12198,23 @@
                   <a:srgbClr val="002060"/>
                 </a:solidFill>
               </a:rPr>
-              <a:t>		   Preenchimento do mapa com plataformas e estrelas: </a:t>
+              <a:t>		   </a:t>
+            </a:r>
+            <a:r>
+              <a:rPr lang="pt-BR" sz="2000" b="1" dirty="0" smtClean="0">
+                <a:solidFill>
+                  <a:srgbClr val="002060"/>
+                </a:solidFill>
+              </a:rPr>
+              <a:t>Mapa com as estrelas</a:t>
+            </a:r>
+            <a:r>
+              <a:rPr lang="pt-BR" sz="2000" b="1" dirty="0" smtClean="0">
+                <a:solidFill>
+                  <a:srgbClr val="002060"/>
+                </a:solidFill>
+              </a:rPr>
+              <a:t>: </a:t>
             </a:r>
           </a:p>
           <a:p>
@@ -15233,8 +15388,21 @@
                   <a:srgbClr val="002060"/>
                 </a:solidFill>
               </a:rPr>
-              <a:t>Crie suas imagens.</a:t>
-            </a:r>
+              <a:t>Crie </a:t>
+            </a:r>
+            <a:r>
+              <a:rPr lang="pt-BR" sz="2000" b="1" dirty="0" smtClean="0">
+                <a:solidFill>
+                  <a:srgbClr val="002060"/>
+                </a:solidFill>
+              </a:rPr>
+              <a:t>suas camadas e grupos.</a:t>
+            </a:r>
+            <a:endParaRPr lang="pt-BR" sz="2000" b="1" dirty="0" smtClean="0">
+              <a:solidFill>
+                <a:srgbClr val="002060"/>
+              </a:solidFill>
+            </a:endParaRPr>
           </a:p>
           <a:p>
             <a:pPr marL="342900" indent="-341313" algn="just">
@@ -15675,16 +15843,13 @@
             </a:r>
             <a:r>
               <a:rPr lang="pt-BR" b="1" dirty="0" smtClean="0"/>
-              <a:t>('</a:t>
-            </a:r>
-            <a:r>
-              <a:rPr lang="pt-BR" b="1" dirty="0" err="1" smtClean="0"/>
-              <a:t>tilemap</a:t>
+              <a:t>(</a:t>
             </a:r>
             <a:r>
               <a:rPr lang="pt-BR" b="1" dirty="0" smtClean="0"/>
-              <a:t>');</a:t>
-            </a:r>
+              <a:t>'Camada de Tiles 1');</a:t>
+            </a:r>
+            <a:endParaRPr lang="pt-BR" b="1" dirty="0" smtClean="0"/>
           </a:p>
           <a:p>
             <a:pPr marL="458787" indent="-457200" algn="just">
@@ -15797,15 +15962,15 @@
             </a:r>
             <a:r>
               <a:rPr lang="pt-BR" b="1" dirty="0" smtClean="0"/>
-              <a:t>,'</a:t>
-            </a:r>
-            <a:r>
-              <a:rPr lang="pt-BR" b="1" dirty="0" err="1" smtClean="0"/>
-              <a:t>tilemap</a:t>
+              <a:t>,</a:t>
             </a:r>
             <a:r>
               <a:rPr lang="pt-BR" b="1" dirty="0" smtClean="0"/>
-              <a:t>');    {...}</a:t>
+              <a:t>'Camada de Tiles 1');    </a:t>
+            </a:r>
+            <a:r>
+              <a:rPr lang="pt-BR" b="1" dirty="0" smtClean="0"/>
+              <a:t>{...}</a:t>
             </a:r>
             <a:endParaRPr lang="pt-BR" dirty="0"/>
           </a:p>
@@ -15962,7 +16127,7 @@
               </a:spcBef>
               <a:buSzPct val="100000"/>
               <a:buFont typeface="+mj-lt"/>
-              <a:buAutoNum type="arabicPeriod" startAt="3"/>
+              <a:buAutoNum type="arabicPeriod" startAt="4"/>
               <a:tabLst>
                 <a:tab pos="342900" algn="l"/>
                 <a:tab pos="912813" algn="l"/>
@@ -15984,8 +16149,29 @@
                   <a:srgbClr val="002060"/>
                 </a:solidFill>
               </a:rPr>
-              <a:t>Trate as colisões com as camadas. </a:t>
-            </a:r>
+              <a:t>Crie </a:t>
+            </a:r>
+            <a:r>
+              <a:rPr lang="pt-BR" sz="2000" b="1" dirty="0" smtClean="0">
+                <a:solidFill>
+                  <a:srgbClr val="002060"/>
+                </a:solidFill>
+              </a:rPr>
+              <a:t>um </a:t>
+            </a:r>
+            <a:r>
+              <a:rPr lang="pt-BR" sz="2000" b="1" dirty="0" smtClean="0">
+                <a:solidFill>
+                  <a:srgbClr val="002060"/>
+                </a:solidFill>
+              </a:rPr>
+              <a:t>grupo para as estrelas.</a:t>
+            </a:r>
+            <a:endParaRPr lang="pt-BR" sz="2000" b="1" dirty="0" smtClean="0">
+              <a:solidFill>
+                <a:srgbClr val="002060"/>
+              </a:solidFill>
+            </a:endParaRPr>
           </a:p>
           <a:p>
             <a:pPr marL="342900" indent="-341313" algn="just">
@@ -16088,7 +16274,7 @@
         <p:spPr>
           <a:xfrm>
             <a:off x="107504" y="2918842"/>
-            <a:ext cx="8927976" cy="1492716"/>
+            <a:ext cx="8927976" cy="1985159"/>
           </a:xfrm>
           <a:prstGeom prst="rect">
             <a:avLst/>
@@ -16126,11 +16312,19 @@
             </a:pPr>
             <a:r>
               <a:rPr lang="pt-BR" b="1" dirty="0" smtClean="0"/>
-              <a:t>	Game.</a:t>
+              <a:t>	</a:t>
             </a:r>
             <a:r>
               <a:rPr lang="pt-BR" b="1" dirty="0" err="1" smtClean="0"/>
-              <a:t>prototype</a:t>
+              <a:t>group</a:t>
+            </a:r>
+            <a:r>
+              <a:rPr lang="pt-BR" b="1" dirty="0" smtClean="0"/>
+              <a:t> = game.</a:t>
+            </a:r>
+            <a:r>
+              <a:rPr lang="pt-BR" b="1" dirty="0" err="1" smtClean="0"/>
+              <a:t>add</a:t>
             </a:r>
             <a:r>
               <a:rPr lang="pt-BR" b="1" dirty="0" smtClean="0"/>
@@ -16138,19 +16332,11 @@
             </a:r>
             <a:r>
               <a:rPr lang="pt-BR" b="1" dirty="0" err="1" smtClean="0"/>
-              <a:t>update</a:t>
+              <a:t>group</a:t>
             </a:r>
             <a:r>
               <a:rPr lang="pt-BR" b="1" dirty="0" smtClean="0"/>
-              <a:t> = </a:t>
-            </a:r>
-            <a:r>
-              <a:rPr lang="pt-BR" b="1" dirty="0" err="1" smtClean="0"/>
-              <a:t>function</a:t>
-            </a:r>
-            <a:r>
-              <a:rPr lang="pt-BR" b="1" dirty="0" smtClean="0"/>
-              <a:t> () {	</a:t>
+              <a:t>();</a:t>
             </a:r>
           </a:p>
           <a:p>
@@ -16179,11 +16365,11 @@
             </a:pPr>
             <a:r>
               <a:rPr lang="pt-BR" b="1" dirty="0" smtClean="0"/>
-              <a:t>			game.</a:t>
+              <a:t>	</a:t>
             </a:r>
             <a:r>
               <a:rPr lang="pt-BR" b="1" dirty="0" err="1" smtClean="0"/>
-              <a:t>physics</a:t>
+              <a:t>group</a:t>
             </a:r>
             <a:r>
               <a:rPr lang="pt-BR" b="1" dirty="0" smtClean="0"/>
@@ -16191,50 +16377,103 @@
             </a:r>
             <a:r>
               <a:rPr lang="pt-BR" b="1" dirty="0" err="1" smtClean="0"/>
-              <a:t>arcade</a:t>
+              <a:t>enableBody</a:t>
             </a:r>
             <a:r>
               <a:rPr lang="pt-BR" b="1" dirty="0" smtClean="0"/>
+              <a:t> = </a:t>
+            </a:r>
+            <a:r>
+              <a:rPr lang="pt-BR" b="1" dirty="0" err="1" smtClean="0"/>
+              <a:t>true</a:t>
+            </a:r>
+            <a:r>
+              <a:rPr lang="pt-BR" b="1" dirty="0" smtClean="0"/>
+              <a:t>;</a:t>
+            </a:r>
+          </a:p>
+          <a:p>
+            <a:pPr marL="458787" indent="-457200">
+              <a:lnSpc>
+                <a:spcPct val="150000"/>
+              </a:lnSpc>
+              <a:spcBef>
+                <a:spcPts val="600"/>
+              </a:spcBef>
+              <a:buSzPct val="100000"/>
+              <a:tabLst>
+                <a:tab pos="342900" algn="l"/>
+                <a:tab pos="912813" algn="l"/>
+                <a:tab pos="1827213" algn="l"/>
+                <a:tab pos="2741613" algn="l"/>
+                <a:tab pos="3656013" algn="l"/>
+                <a:tab pos="4570413" algn="l"/>
+                <a:tab pos="5484813" algn="l"/>
+                <a:tab pos="6399213" algn="l"/>
+                <a:tab pos="7313613" algn="l"/>
+                <a:tab pos="8228013" algn="l"/>
+                <a:tab pos="9142413" algn="l"/>
+                <a:tab pos="10056813" algn="l"/>
+              </a:tabLst>
+            </a:pPr>
+            <a:r>
+              <a:rPr lang="pt-BR" b="1" dirty="0" smtClean="0"/>
+              <a:t>	</a:t>
+            </a:r>
+            <a:r>
+              <a:rPr lang="pt-BR" sz="1700" b="1" dirty="0" err="1" smtClean="0"/>
+              <a:t>this</a:t>
+            </a:r>
+            <a:r>
+              <a:rPr lang="pt-BR" sz="1700" b="1" dirty="0" smtClean="0"/>
               <a:t>.</a:t>
             </a:r>
             <a:r>
-              <a:rPr lang="pt-BR" b="1" dirty="0" err="1" smtClean="0"/>
-              <a:t>collide</a:t>
-            </a:r>
-            <a:r>
-              <a:rPr lang="pt-BR" b="1" dirty="0" smtClean="0"/>
-              <a:t>(</a:t>
-            </a:r>
-            <a:r>
-              <a:rPr lang="pt-BR" b="1" dirty="0" err="1" smtClean="0"/>
-              <a:t>this</a:t>
-            </a:r>
-            <a:r>
-              <a:rPr lang="pt-BR" b="1" dirty="0" smtClean="0"/>
+              <a:rPr lang="pt-BR" sz="1700" b="1" dirty="0" err="1" smtClean="0"/>
+              <a:t>map</a:t>
+            </a:r>
+            <a:r>
+              <a:rPr lang="pt-BR" sz="1700" b="1" dirty="0" smtClean="0"/>
               <a:t>.</a:t>
             </a:r>
             <a:r>
-              <a:rPr lang="pt-BR" b="1" dirty="0" err="1" smtClean="0"/>
-              <a:t>layer</a:t>
-            </a:r>
-            <a:r>
-              <a:rPr lang="pt-BR" b="1" dirty="0" smtClean="0"/>
-              <a:t>, </a:t>
-            </a:r>
-            <a:r>
-              <a:rPr lang="pt-BR" b="1" dirty="0" err="1" smtClean="0"/>
-              <a:t>this</a:t>
-            </a:r>
-            <a:r>
-              <a:rPr lang="pt-BR" b="1" dirty="0" smtClean="0"/>
-              <a:t>.</a:t>
-            </a:r>
-            <a:r>
-              <a:rPr lang="pt-BR" b="1" dirty="0" err="1" smtClean="0"/>
-              <a:t>sprite</a:t>
-            </a:r>
-            <a:r>
-              <a:rPr lang="pt-BR" b="1" dirty="0" smtClean="0"/>
+              <a:rPr lang="pt-BR" sz="1700" b="1" dirty="0" err="1" smtClean="0"/>
+              <a:t>createFromObjects</a:t>
+            </a:r>
+            <a:r>
+              <a:rPr lang="pt-BR" sz="1700" b="1" dirty="0" smtClean="0"/>
+              <a:t> ('Camada de </a:t>
+            </a:r>
+            <a:r>
+              <a:rPr lang="pt-BR" sz="1700" b="1" dirty="0" smtClean="0"/>
+              <a:t>Objetos 1',17, </a:t>
+            </a:r>
+            <a:r>
+              <a:rPr lang="pt-BR" sz="1700" b="1" dirty="0" smtClean="0"/>
+              <a:t>'star',0,</a:t>
+            </a:r>
+            <a:r>
+              <a:rPr lang="pt-BR" sz="1700" b="1" dirty="0" err="1" smtClean="0"/>
+              <a:t>true</a:t>
+            </a:r>
+            <a:r>
+              <a:rPr lang="pt-BR" sz="1700" b="1" dirty="0" smtClean="0"/>
+              <a:t>,</a:t>
+            </a:r>
+            <a:r>
+              <a:rPr lang="pt-BR" sz="1700" b="1" dirty="0" err="1" smtClean="0"/>
+              <a:t>false</a:t>
+            </a:r>
+            <a:r>
+              <a:rPr lang="pt-BR" sz="1700" b="1" dirty="0" smtClean="0"/>
+              <a:t>,</a:t>
+            </a:r>
+            <a:r>
+              <a:rPr lang="pt-BR" sz="1700" b="1" dirty="0" err="1" smtClean="0"/>
+              <a:t>group</a:t>
+            </a:r>
+            <a:r>
+              <a:rPr lang="pt-BR" sz="1700" b="1" dirty="0" smtClean="0"/>
               <a:t>);</a:t>
             </a:r>
           </a:p>
@@ -16264,7 +16503,71 @@
             </a:pPr>
             <a:r>
               <a:rPr lang="pt-BR" b="1" dirty="0" smtClean="0"/>
-              <a:t>	{...}</a:t>
+              <a:t>	</a:t>
+            </a:r>
+            <a:r>
+              <a:rPr lang="pt-BR" b="1" dirty="0" err="1" smtClean="0"/>
+              <a:t>group</a:t>
+            </a:r>
+            <a:r>
+              <a:rPr lang="pt-BR" b="1" dirty="0" smtClean="0"/>
+              <a:t>.</a:t>
+            </a:r>
+            <a:r>
+              <a:rPr lang="pt-BR" b="1" dirty="0" err="1" smtClean="0"/>
+              <a:t>forEach</a:t>
+            </a:r>
+            <a:r>
+              <a:rPr lang="pt-BR" b="1" dirty="0" smtClean="0"/>
+              <a:t>(</a:t>
+            </a:r>
+            <a:r>
+              <a:rPr lang="pt-BR" b="1" dirty="0" err="1" smtClean="0"/>
+              <a:t>function</a:t>
+            </a:r>
+            <a:r>
+              <a:rPr lang="pt-BR" b="1" dirty="0" smtClean="0"/>
+              <a:t> (star){ star.</a:t>
+            </a:r>
+            <a:r>
+              <a:rPr lang="pt-BR" b="1" dirty="0" err="1" smtClean="0"/>
+              <a:t>body</a:t>
+            </a:r>
+            <a:r>
+              <a:rPr lang="pt-BR" b="1" dirty="0" smtClean="0"/>
+              <a:t>.</a:t>
+            </a:r>
+            <a:r>
+              <a:rPr lang="pt-BR" b="1" dirty="0" err="1" smtClean="0"/>
+              <a:t>allowGravity</a:t>
+            </a:r>
+            <a:r>
+              <a:rPr lang="pt-BR" b="1" dirty="0" smtClean="0"/>
+              <a:t> = </a:t>
+            </a:r>
+            <a:r>
+              <a:rPr lang="pt-BR" b="1" dirty="0" err="1" smtClean="0"/>
+              <a:t>false</a:t>
+            </a:r>
+            <a:r>
+              <a:rPr lang="pt-BR" b="1" dirty="0" smtClean="0"/>
+              <a:t>}, </a:t>
+            </a:r>
+            <a:r>
+              <a:rPr lang="pt-BR" b="1" dirty="0" err="1" smtClean="0"/>
+              <a:t>this</a:t>
+            </a:r>
+            <a:r>
+              <a:rPr lang="pt-BR" b="1" dirty="0" smtClean="0"/>
+              <a:t>);</a:t>
+            </a:r>
+            <a:r>
+              <a:rPr lang="pt-BR" b="1" dirty="0" smtClean="0"/>
+              <a:t>    </a:t>
+            </a:r>
+            <a:r>
+              <a:rPr lang="pt-BR" b="1" dirty="0" smtClean="0"/>
+              <a:t>{...}</a:t>
             </a:r>
             <a:endParaRPr lang="pt-BR" dirty="0"/>
           </a:p>
@@ -16374,7 +16677,7 @@
                   <a:srgbClr val="7F7F7F"/>
                 </a:solidFill>
               </a:rPr>
-              <a:t>Execução do Jogo</a:t>
+              <a:t>Inserindo o mapa no jogo</a:t>
             </a:r>
             <a:endParaRPr lang="pt-BR" sz="3200" dirty="0">
               <a:solidFill>
@@ -16420,6 +16723,8 @@
                 <a:spcPts val="600"/>
               </a:spcBef>
               <a:buSzPct val="100000"/>
+              <a:buFont typeface="+mj-lt"/>
+              <a:buAutoNum type="arabicPeriod" startAt="3"/>
               <a:tabLst>
                 <a:tab pos="342900" algn="l"/>
                 <a:tab pos="912813" algn="l"/>
@@ -16441,8 +16746,37 @@
                   <a:srgbClr val="002060"/>
                 </a:solidFill>
               </a:rPr>
-              <a:t>Disponível em: _________ </a:t>
-            </a:r>
+              <a:t>Trate as colisões </a:t>
+            </a:r>
+            <a:r>
+              <a:rPr lang="pt-BR" sz="2000" b="1" dirty="0" smtClean="0">
+                <a:solidFill>
+                  <a:srgbClr val="002060"/>
+                </a:solidFill>
+              </a:rPr>
+              <a:t> do jogador com </a:t>
+            </a:r>
+            <a:r>
+              <a:rPr lang="pt-BR" sz="2000" b="1" dirty="0" smtClean="0">
+                <a:solidFill>
+                  <a:srgbClr val="002060"/>
+                </a:solidFill>
+              </a:rPr>
+              <a:t>as </a:t>
+            </a:r>
+            <a:r>
+              <a:rPr lang="pt-BR" sz="2000" b="1" dirty="0" smtClean="0">
+                <a:solidFill>
+                  <a:srgbClr val="002060"/>
+                </a:solidFill>
+              </a:rPr>
+              <a:t>camadas e as estrelas. </a:t>
+            </a:r>
+            <a:endParaRPr lang="pt-BR" sz="2000" b="1" dirty="0" smtClean="0">
+              <a:solidFill>
+                <a:srgbClr val="002060"/>
+              </a:solidFill>
+            </a:endParaRPr>
           </a:p>
           <a:p>
             <a:pPr marL="342900" indent="-341313" algn="just">
@@ -16536,6 +16870,825 @@
           </a:p>
         </p:txBody>
       </p:sp>
+      <p:sp>
+        <p:nvSpPr>
+          <p:cNvPr id="7" name="CaixaDeTexto 6"/>
+          <p:cNvSpPr txBox="1"/>
+          <p:nvPr/>
+        </p:nvSpPr>
+        <p:spPr>
+          <a:xfrm>
+            <a:off x="107504" y="2918842"/>
+            <a:ext cx="8927976" cy="3185487"/>
+          </a:xfrm>
+          <a:prstGeom prst="rect">
+            <a:avLst/>
+          </a:prstGeom>
+          <a:noFill/>
+        </p:spPr>
+        <p:txBody>
+          <a:bodyPr wrap="square" rtlCol="0">
+            <a:spAutoFit/>
+          </a:bodyPr>
+          <a:lstStyle/>
+          <a:p>
+            <a:pPr marL="458787" indent="-457200" algn="just">
+              <a:lnSpc>
+                <a:spcPct val="150000"/>
+              </a:lnSpc>
+              <a:spcBef>
+                <a:spcPts val="600"/>
+              </a:spcBef>
+              <a:buSzPct val="100000"/>
+              <a:tabLst>
+                <a:tab pos="342900" algn="l"/>
+                <a:tab pos="912813" algn="l"/>
+                <a:tab pos="1827213" algn="l"/>
+                <a:tab pos="2741613" algn="l"/>
+                <a:tab pos="3656013" algn="l"/>
+                <a:tab pos="4570413" algn="l"/>
+                <a:tab pos="5484813" algn="l"/>
+                <a:tab pos="6399213" algn="l"/>
+                <a:tab pos="7313613" algn="l"/>
+                <a:tab pos="8228013" algn="l"/>
+                <a:tab pos="9142413" algn="l"/>
+                <a:tab pos="10056813" algn="l"/>
+              </a:tabLst>
+            </a:pPr>
+            <a:r>
+              <a:rPr lang="pt-BR" b="1" dirty="0" smtClean="0"/>
+              <a:t>	Game.</a:t>
+            </a:r>
+            <a:r>
+              <a:rPr lang="pt-BR" b="1" dirty="0" err="1" smtClean="0"/>
+              <a:t>prototype</a:t>
+            </a:r>
+            <a:r>
+              <a:rPr lang="pt-BR" b="1" dirty="0" smtClean="0"/>
+              <a:t>.</a:t>
+            </a:r>
+            <a:r>
+              <a:rPr lang="pt-BR" b="1" dirty="0" err="1" smtClean="0"/>
+              <a:t>update</a:t>
+            </a:r>
+            <a:r>
+              <a:rPr lang="pt-BR" b="1" dirty="0" smtClean="0"/>
+              <a:t> = </a:t>
+            </a:r>
+            <a:r>
+              <a:rPr lang="pt-BR" b="1" dirty="0" err="1" smtClean="0"/>
+              <a:t>function</a:t>
+            </a:r>
+            <a:r>
+              <a:rPr lang="pt-BR" b="1" dirty="0" smtClean="0"/>
+              <a:t> () {	</a:t>
+            </a:r>
+          </a:p>
+          <a:p>
+            <a:pPr marL="458787" indent="-457200" algn="just">
+              <a:lnSpc>
+                <a:spcPct val="150000"/>
+              </a:lnSpc>
+              <a:spcBef>
+                <a:spcPts val="600"/>
+              </a:spcBef>
+              <a:buSzPct val="100000"/>
+              <a:tabLst>
+                <a:tab pos="342900" algn="l"/>
+                <a:tab pos="912813" algn="l"/>
+                <a:tab pos="1827213" algn="l"/>
+                <a:tab pos="2741613" algn="l"/>
+                <a:tab pos="3656013" algn="l"/>
+                <a:tab pos="4570413" algn="l"/>
+                <a:tab pos="5484813" algn="l"/>
+                <a:tab pos="6399213" algn="l"/>
+                <a:tab pos="7313613" algn="l"/>
+                <a:tab pos="8228013" algn="l"/>
+                <a:tab pos="9142413" algn="l"/>
+                <a:tab pos="10056813" algn="l"/>
+              </a:tabLst>
+            </a:pPr>
+            <a:r>
+              <a:rPr lang="pt-BR" b="1" dirty="0" smtClean="0"/>
+              <a:t>			game.</a:t>
+            </a:r>
+            <a:r>
+              <a:rPr lang="pt-BR" b="1" dirty="0" err="1" smtClean="0"/>
+              <a:t>physics</a:t>
+            </a:r>
+            <a:r>
+              <a:rPr lang="pt-BR" b="1" dirty="0" smtClean="0"/>
+              <a:t>.</a:t>
+            </a:r>
+            <a:r>
+              <a:rPr lang="pt-BR" b="1" dirty="0" err="1" smtClean="0"/>
+              <a:t>arcade</a:t>
+            </a:r>
+            <a:r>
+              <a:rPr lang="pt-BR" b="1" dirty="0" smtClean="0"/>
+              <a:t>.</a:t>
+            </a:r>
+            <a:r>
+              <a:rPr lang="pt-BR" b="1" dirty="0" err="1" smtClean="0"/>
+              <a:t>collide</a:t>
+            </a:r>
+            <a:r>
+              <a:rPr lang="pt-BR" b="1" dirty="0" smtClean="0"/>
+              <a:t>(</a:t>
+            </a:r>
+            <a:r>
+              <a:rPr lang="pt-BR" b="1" dirty="0" err="1" smtClean="0"/>
+              <a:t>this</a:t>
+            </a:r>
+            <a:r>
+              <a:rPr lang="pt-BR" b="1" dirty="0" smtClean="0"/>
+              <a:t>.</a:t>
+            </a:r>
+            <a:r>
+              <a:rPr lang="pt-BR" b="1" dirty="0" err="1" smtClean="0"/>
+              <a:t>layer</a:t>
+            </a:r>
+            <a:r>
+              <a:rPr lang="pt-BR" b="1" dirty="0" smtClean="0"/>
+              <a:t>, </a:t>
+            </a:r>
+            <a:r>
+              <a:rPr lang="pt-BR" b="1" dirty="0" err="1" smtClean="0"/>
+              <a:t>this</a:t>
+            </a:r>
+            <a:r>
+              <a:rPr lang="pt-BR" b="1" dirty="0" smtClean="0"/>
+              <a:t>.</a:t>
+            </a:r>
+            <a:r>
+              <a:rPr lang="pt-BR" b="1" dirty="0" err="1" smtClean="0"/>
+              <a:t>sprite</a:t>
+            </a:r>
+            <a:r>
+              <a:rPr lang="pt-BR" b="1" dirty="0" smtClean="0"/>
+              <a:t>);</a:t>
+            </a:r>
+          </a:p>
+          <a:p>
+            <a:pPr marL="458787" indent="-457200" algn="just">
+              <a:lnSpc>
+                <a:spcPct val="150000"/>
+              </a:lnSpc>
+              <a:spcBef>
+                <a:spcPts val="600"/>
+              </a:spcBef>
+              <a:buSzPct val="100000"/>
+              <a:tabLst>
+                <a:tab pos="342900" algn="l"/>
+                <a:tab pos="912813" algn="l"/>
+                <a:tab pos="1827213" algn="l"/>
+                <a:tab pos="2741613" algn="l"/>
+                <a:tab pos="3656013" algn="l"/>
+                <a:tab pos="4570413" algn="l"/>
+                <a:tab pos="5484813" algn="l"/>
+                <a:tab pos="6399213" algn="l"/>
+                <a:tab pos="7313613" algn="l"/>
+                <a:tab pos="8228013" algn="l"/>
+                <a:tab pos="9142413" algn="l"/>
+                <a:tab pos="10056813" algn="l"/>
+              </a:tabLst>
+            </a:pPr>
+            <a:r>
+              <a:rPr lang="pt-BR" b="1" dirty="0" smtClean="0"/>
+              <a:t>			game.</a:t>
+            </a:r>
+            <a:r>
+              <a:rPr lang="pt-BR" b="1" dirty="0" err="1" smtClean="0"/>
+              <a:t>physics</a:t>
+            </a:r>
+            <a:r>
+              <a:rPr lang="pt-BR" b="1" dirty="0" smtClean="0"/>
+              <a:t>.</a:t>
+            </a:r>
+            <a:r>
+              <a:rPr lang="pt-BR" b="1" dirty="0" err="1" smtClean="0"/>
+              <a:t>arcade</a:t>
+            </a:r>
+            <a:r>
+              <a:rPr lang="pt-BR" b="1" dirty="0" smtClean="0"/>
+              <a:t>.</a:t>
+            </a:r>
+            <a:r>
+              <a:rPr lang="pt-BR" b="1" dirty="0" err="1" smtClean="0"/>
+              <a:t>overlap</a:t>
+            </a:r>
+            <a:r>
+              <a:rPr lang="pt-BR" b="1" dirty="0" smtClean="0"/>
+              <a:t>(</a:t>
+            </a:r>
+            <a:r>
+              <a:rPr lang="pt-BR" b="1" dirty="0" err="1" smtClean="0"/>
+              <a:t>group</a:t>
+            </a:r>
+            <a:r>
+              <a:rPr lang="pt-BR" b="1" dirty="0" smtClean="0"/>
+              <a:t>, </a:t>
+            </a:r>
+            <a:r>
+              <a:rPr lang="pt-BR" b="1" dirty="0" err="1" smtClean="0"/>
+              <a:t>this</a:t>
+            </a:r>
+            <a:r>
+              <a:rPr lang="pt-BR" b="1" dirty="0" smtClean="0"/>
+              <a:t>.</a:t>
+            </a:r>
+            <a:r>
+              <a:rPr lang="pt-BR" b="1" dirty="0" err="1" smtClean="0"/>
+              <a:t>sprite</a:t>
+            </a:r>
+            <a:r>
+              <a:rPr lang="pt-BR" b="1" dirty="0" smtClean="0"/>
+              <a:t>, </a:t>
+            </a:r>
+            <a:r>
+              <a:rPr lang="pt-BR" b="1" dirty="0" err="1" smtClean="0"/>
+              <a:t>collision</a:t>
+            </a:r>
+            <a:r>
+              <a:rPr lang="pt-BR" b="1" dirty="0" smtClean="0"/>
+              <a:t>, </a:t>
+            </a:r>
+            <a:r>
+              <a:rPr lang="pt-BR" b="1" dirty="0" err="1" smtClean="0"/>
+              <a:t>null</a:t>
+            </a:r>
+            <a:r>
+              <a:rPr lang="pt-BR" b="1" dirty="0" smtClean="0"/>
+              <a:t>,</a:t>
+            </a:r>
+            <a:r>
+              <a:rPr lang="pt-BR" b="1" dirty="0" err="1" smtClean="0"/>
+              <a:t>this</a:t>
+            </a:r>
+            <a:r>
+              <a:rPr lang="pt-BR" b="1" dirty="0" smtClean="0"/>
+              <a:t>);</a:t>
+            </a:r>
+            <a:endParaRPr lang="pt-BR" b="1" dirty="0" smtClean="0"/>
+          </a:p>
+          <a:p>
+            <a:pPr marL="458787" indent="-457200" algn="just">
+              <a:lnSpc>
+                <a:spcPct val="150000"/>
+              </a:lnSpc>
+              <a:spcBef>
+                <a:spcPts val="600"/>
+              </a:spcBef>
+              <a:buSzPct val="100000"/>
+              <a:tabLst>
+                <a:tab pos="342900" algn="l"/>
+                <a:tab pos="912813" algn="l"/>
+                <a:tab pos="1827213" algn="l"/>
+                <a:tab pos="2741613" algn="l"/>
+                <a:tab pos="3656013" algn="l"/>
+                <a:tab pos="4570413" algn="l"/>
+                <a:tab pos="5484813" algn="l"/>
+                <a:tab pos="6399213" algn="l"/>
+                <a:tab pos="7313613" algn="l"/>
+                <a:tab pos="8228013" algn="l"/>
+                <a:tab pos="9142413" algn="l"/>
+                <a:tab pos="10056813" algn="l"/>
+              </a:tabLst>
+            </a:pPr>
+            <a:r>
+              <a:rPr lang="pt-BR" b="1" dirty="0" smtClean="0"/>
+              <a:t>	</a:t>
+            </a:r>
+            <a:r>
+              <a:rPr lang="pt-BR" b="1" dirty="0" smtClean="0"/>
+              <a:t>...}</a:t>
+            </a:r>
+          </a:p>
+          <a:p>
+            <a:pPr marL="458787" indent="-457200" algn="just">
+              <a:lnSpc>
+                <a:spcPct val="150000"/>
+              </a:lnSpc>
+              <a:spcBef>
+                <a:spcPts val="600"/>
+              </a:spcBef>
+              <a:buSzPct val="100000"/>
+              <a:tabLst>
+                <a:tab pos="342900" algn="l"/>
+                <a:tab pos="912813" algn="l"/>
+                <a:tab pos="1827213" algn="l"/>
+                <a:tab pos="2741613" algn="l"/>
+                <a:tab pos="3656013" algn="l"/>
+                <a:tab pos="4570413" algn="l"/>
+                <a:tab pos="5484813" algn="l"/>
+                <a:tab pos="6399213" algn="l"/>
+                <a:tab pos="7313613" algn="l"/>
+                <a:tab pos="8228013" algn="l"/>
+                <a:tab pos="9142413" algn="l"/>
+                <a:tab pos="10056813" algn="l"/>
+              </a:tabLst>
+            </a:pPr>
+            <a:r>
+              <a:rPr lang="pt-BR" b="1" dirty="0" smtClean="0"/>
+              <a:t>	</a:t>
+            </a:r>
+            <a:r>
+              <a:rPr lang="pt-BR" b="1" dirty="0" err="1" smtClean="0"/>
+              <a:t>function</a:t>
+            </a:r>
+            <a:r>
+              <a:rPr lang="pt-BR" b="1" dirty="0" smtClean="0"/>
+              <a:t> </a:t>
+            </a:r>
+            <a:r>
+              <a:rPr lang="pt-BR" b="1" dirty="0" err="1" smtClean="0"/>
+              <a:t>collision</a:t>
+            </a:r>
+            <a:r>
+              <a:rPr lang="pt-BR" b="1" dirty="0" smtClean="0"/>
+              <a:t> (</a:t>
+            </a:r>
+            <a:r>
+              <a:rPr lang="pt-BR" b="1" dirty="0" err="1" smtClean="0"/>
+              <a:t>sprite</a:t>
+            </a:r>
+            <a:r>
+              <a:rPr lang="pt-BR" b="1" dirty="0" smtClean="0"/>
+              <a:t>,star</a:t>
+            </a:r>
+            <a:r>
+              <a:rPr lang="pt-BR" b="1" dirty="0" smtClean="0"/>
+              <a:t>) {</a:t>
+            </a:r>
+            <a:endParaRPr lang="pt-BR" b="1" dirty="0" smtClean="0"/>
+          </a:p>
+          <a:p>
+            <a:pPr marL="458787" indent="-457200" algn="just">
+              <a:spcBef>
+                <a:spcPts val="600"/>
+              </a:spcBef>
+              <a:buSzPct val="100000"/>
+              <a:tabLst>
+                <a:tab pos="342900" algn="l"/>
+                <a:tab pos="912813" algn="l"/>
+                <a:tab pos="1827213" algn="l"/>
+                <a:tab pos="2741613" algn="l"/>
+                <a:tab pos="3656013" algn="l"/>
+                <a:tab pos="4570413" algn="l"/>
+                <a:tab pos="5484813" algn="l"/>
+                <a:tab pos="6399213" algn="l"/>
+                <a:tab pos="7313613" algn="l"/>
+                <a:tab pos="8228013" algn="l"/>
+                <a:tab pos="9142413" algn="l"/>
+                <a:tab pos="10056813" algn="l"/>
+              </a:tabLst>
+            </a:pPr>
+            <a:r>
+              <a:rPr lang="pt-BR" b="1" dirty="0" smtClean="0"/>
+              <a:t>	</a:t>
+            </a:r>
+            <a:r>
+              <a:rPr lang="pt-BR" b="1" dirty="0" smtClean="0"/>
+              <a:t>		star.</a:t>
+            </a:r>
+            <a:r>
+              <a:rPr lang="pt-BR" b="1" dirty="0" err="1" smtClean="0"/>
+              <a:t>kill</a:t>
+            </a:r>
+            <a:r>
+              <a:rPr lang="pt-BR" b="1" dirty="0" smtClean="0"/>
+              <a:t>();</a:t>
+            </a:r>
+          </a:p>
+          <a:p>
+            <a:pPr marL="458787" indent="-457200" algn="just">
+              <a:spcBef>
+                <a:spcPts val="600"/>
+              </a:spcBef>
+              <a:buSzPct val="100000"/>
+              <a:tabLst>
+                <a:tab pos="342900" algn="l"/>
+                <a:tab pos="912813" algn="l"/>
+                <a:tab pos="1827213" algn="l"/>
+                <a:tab pos="2741613" algn="l"/>
+                <a:tab pos="3656013" algn="l"/>
+                <a:tab pos="4570413" algn="l"/>
+                <a:tab pos="5484813" algn="l"/>
+                <a:tab pos="6399213" algn="l"/>
+                <a:tab pos="7313613" algn="l"/>
+                <a:tab pos="8228013" algn="l"/>
+                <a:tab pos="9142413" algn="l"/>
+                <a:tab pos="10056813" algn="l"/>
+              </a:tabLst>
+            </a:pPr>
+            <a:r>
+              <a:rPr lang="pt-BR" b="1" dirty="0" smtClean="0"/>
+              <a:t>	}</a:t>
+            </a:r>
+            <a:endParaRPr lang="pt-BR" dirty="0"/>
+          </a:p>
+        </p:txBody>
+      </p:sp>
+    </p:spTree>
+  </p:cSld>
+  <p:clrMapOvr>
+    <a:masterClrMapping/>
+  </p:clrMapOvr>
+  <p:transition spd="med"/>
+  <p:timing>
+    <p:tnLst>
+      <p:par>
+        <p:cTn id="1" dur="indefinite" restart="never" nodeType="tmRoot">
+          <p:childTnLst>
+            <p:seq concurrent="1" nextAc="seek">
+              <p:cTn id="2" dur="0" nodeType="mainSeq"/>
+              <p:prevCondLst>
+                <p:cond evt="onPrev" delay="0">
+                  <p:tgtEl>
+                    <p:sldTgt/>
+                  </p:tgtEl>
+                </p:cond>
+              </p:prevCondLst>
+              <p:nextCondLst>
+                <p:cond evt="onNext" delay="0">
+                  <p:tgtEl>
+                    <p:sldTgt/>
+                  </p:tgtEl>
+                </p:cond>
+              </p:nextCondLst>
+            </p:seq>
+          </p:childTnLst>
+        </p:cTn>
+      </p:par>
+    </p:tnLst>
+  </p:timing>
+</p:sld>
+</file>
+
+<file path=ppt/slides/slide27.xml><?xml version="1.0" encoding="utf-8"?>
+<p:sld xmlns:a="http://schemas.openxmlformats.org/drawingml/2006/main" xmlns:r="http://schemas.openxmlformats.org/officeDocument/2006/relationships" xmlns:p="http://schemas.openxmlformats.org/presentationml/2006/main">
+  <p:cSld>
+    <p:spTree>
+      <p:nvGrpSpPr>
+        <p:cNvPr id="1" name=""/>
+        <p:cNvGrpSpPr/>
+        <p:nvPr/>
+      </p:nvGrpSpPr>
+      <p:grpSpPr>
+        <a:xfrm>
+          <a:off x="0" y="0"/>
+          <a:ext cx="0" cy="0"/>
+          <a:chOff x="0" y="0"/>
+          <a:chExt cx="0" cy="0"/>
+        </a:xfrm>
+      </p:grpSpPr>
+      <p:sp>
+        <p:nvSpPr>
+          <p:cNvPr id="15362" name="Text Box 1"/>
+          <p:cNvSpPr txBox="1">
+            <a:spLocks noChangeArrowheads="1"/>
+          </p:cNvSpPr>
+          <p:nvPr/>
+        </p:nvSpPr>
+        <p:spPr bwMode="auto">
+          <a:xfrm>
+            <a:off x="250825" y="1277938"/>
+            <a:ext cx="8229600" cy="927100"/>
+          </a:xfrm>
+          <a:prstGeom prst="rect">
+            <a:avLst/>
+          </a:prstGeom>
+          <a:noFill/>
+          <a:ln w="9525">
+            <a:noFill/>
+            <a:round/>
+            <a:headEnd/>
+            <a:tailEnd/>
+          </a:ln>
+        </p:spPr>
+        <p:txBody>
+          <a:bodyPr lIns="90000" tIns="46800" rIns="90000" bIns="46800"/>
+          <a:lstStyle/>
+          <a:p>
+            <a:pPr algn="just">
+              <a:buSzPct val="100000"/>
+              <a:tabLst>
+                <a:tab pos="0" algn="l"/>
+                <a:tab pos="914400" algn="l"/>
+                <a:tab pos="1828800" algn="l"/>
+                <a:tab pos="2743200" algn="l"/>
+                <a:tab pos="3657600" algn="l"/>
+                <a:tab pos="4572000" algn="l"/>
+                <a:tab pos="5486400" algn="l"/>
+                <a:tab pos="6400800" algn="l"/>
+                <a:tab pos="7315200" algn="l"/>
+                <a:tab pos="8229600" algn="l"/>
+                <a:tab pos="9144000" algn="l"/>
+                <a:tab pos="10058400" algn="l"/>
+              </a:tabLst>
+            </a:pPr>
+            <a:r>
+              <a:rPr lang="pt-BR" sz="3200" dirty="0" smtClean="0">
+                <a:solidFill>
+                  <a:srgbClr val="7F7F7F"/>
+                </a:solidFill>
+              </a:rPr>
+              <a:t>Execução do Jogo</a:t>
+            </a:r>
+            <a:endParaRPr lang="pt-BR" sz="3200" dirty="0">
+              <a:solidFill>
+                <a:srgbClr val="7F7F7F"/>
+              </a:solidFill>
+            </a:endParaRPr>
+          </a:p>
+        </p:txBody>
+      </p:sp>
+      <p:sp>
+        <p:nvSpPr>
+          <p:cNvPr id="15363" name="Text Box 2"/>
+          <p:cNvSpPr txBox="1">
+            <a:spLocks noChangeArrowheads="1"/>
+          </p:cNvSpPr>
+          <p:nvPr/>
+        </p:nvSpPr>
+        <p:spPr bwMode="auto">
+          <a:xfrm>
+            <a:off x="230188" y="2276872"/>
+            <a:ext cx="8662292" cy="792088"/>
+          </a:xfrm>
+          <a:prstGeom prst="rect">
+            <a:avLst/>
+          </a:prstGeom>
+          <a:noFill/>
+          <a:ln w="9525">
+            <a:noFill/>
+            <a:round/>
+            <a:headEnd/>
+            <a:tailEnd/>
+          </a:ln>
+        </p:spPr>
+        <p:txBody>
+          <a:bodyPr lIns="90000" tIns="46800" rIns="90000" bIns="46800"/>
+          <a:lstStyle/>
+          <a:p>
+            <a:pPr marL="458787" indent="-457200" algn="just">
+              <a:lnSpc>
+                <a:spcPct val="150000"/>
+              </a:lnSpc>
+              <a:spcBef>
+                <a:spcPts val="600"/>
+              </a:spcBef>
+              <a:buSzPct val="100000"/>
+              <a:tabLst>
+                <a:tab pos="342900" algn="l"/>
+                <a:tab pos="912813" algn="l"/>
+                <a:tab pos="1827213" algn="l"/>
+                <a:tab pos="2741613" algn="l"/>
+                <a:tab pos="3656013" algn="l"/>
+                <a:tab pos="4570413" algn="l"/>
+                <a:tab pos="5484813" algn="l"/>
+                <a:tab pos="6399213" algn="l"/>
+                <a:tab pos="7313613" algn="l"/>
+                <a:tab pos="8228013" algn="l"/>
+                <a:tab pos="9142413" algn="l"/>
+                <a:tab pos="10056813" algn="l"/>
+              </a:tabLst>
+            </a:pPr>
+            <a:r>
+              <a:rPr lang="pt-BR" sz="2000" b="1" dirty="0" smtClean="0">
+                <a:solidFill>
+                  <a:srgbClr val="002060"/>
+                </a:solidFill>
+              </a:rPr>
+              <a:t>Disponível em: </a:t>
+            </a:r>
+            <a:r>
+              <a:rPr lang="pt-BR" sz="2000" b="1" dirty="0" err="1" smtClean="0">
+                <a:solidFill>
+                  <a:srgbClr val="002060"/>
+                </a:solidFill>
+              </a:rPr>
+              <a:t>GitHub</a:t>
+            </a:r>
+            <a:r>
+              <a:rPr lang="pt-BR" sz="2000" b="1" dirty="0" smtClean="0">
+                <a:solidFill>
+                  <a:srgbClr val="002060"/>
+                </a:solidFill>
+              </a:rPr>
+              <a:t>/html5games/</a:t>
+            </a:r>
+            <a:r>
+              <a:rPr lang="pt-BR" sz="2000" b="1" dirty="0" err="1" smtClean="0">
+                <a:solidFill>
+                  <a:srgbClr val="002060"/>
+                </a:solidFill>
+              </a:rPr>
+              <a:t>phaser</a:t>
+            </a:r>
+            <a:r>
+              <a:rPr lang="pt-BR" sz="2000" b="1" smtClean="0">
+                <a:solidFill>
+                  <a:srgbClr val="002060"/>
+                </a:solidFill>
+              </a:rPr>
+              <a:t>/tutorial -Tiled</a:t>
+            </a:r>
+            <a:r>
+              <a:rPr lang="pt-BR" sz="2000" b="1" dirty="0" smtClean="0">
+                <a:solidFill>
+                  <a:srgbClr val="002060"/>
+                </a:solidFill>
+              </a:rPr>
+              <a:t> </a:t>
+            </a:r>
+            <a:r>
+              <a:rPr lang="pt-BR" sz="2000" b="1" dirty="0" err="1" smtClean="0">
+                <a:solidFill>
+                  <a:srgbClr val="002060"/>
+                </a:solidFill>
+              </a:rPr>
+              <a:t>Map</a:t>
+            </a:r>
+            <a:r>
+              <a:rPr lang="pt-BR" sz="2000" b="1" dirty="0" smtClean="0">
+                <a:solidFill>
+                  <a:srgbClr val="002060"/>
+                </a:solidFill>
+              </a:rPr>
+              <a:t> </a:t>
+            </a:r>
+          </a:p>
+          <a:p>
+            <a:pPr marL="342900" indent="-341313" algn="just">
+              <a:lnSpc>
+                <a:spcPct val="150000"/>
+              </a:lnSpc>
+              <a:spcBef>
+                <a:spcPts val="600"/>
+              </a:spcBef>
+              <a:buSzPct val="100000"/>
+              <a:tabLst>
+                <a:tab pos="342900" algn="l"/>
+                <a:tab pos="912813" algn="l"/>
+                <a:tab pos="1827213" algn="l"/>
+                <a:tab pos="2741613" algn="l"/>
+                <a:tab pos="3656013" algn="l"/>
+                <a:tab pos="4570413" algn="l"/>
+                <a:tab pos="5484813" algn="l"/>
+                <a:tab pos="6399213" algn="l"/>
+                <a:tab pos="7313613" algn="l"/>
+                <a:tab pos="8228013" algn="l"/>
+                <a:tab pos="9142413" algn="l"/>
+                <a:tab pos="10056813" algn="l"/>
+              </a:tabLst>
+            </a:pPr>
+            <a:endParaRPr lang="pt-BR" sz="2000" b="1" dirty="0" smtClean="0">
+              <a:solidFill>
+                <a:srgbClr val="002060"/>
+              </a:solidFill>
+            </a:endParaRPr>
+          </a:p>
+          <a:p>
+            <a:pPr marL="342900" indent="-341313" algn="just">
+              <a:lnSpc>
+                <a:spcPct val="150000"/>
+              </a:lnSpc>
+              <a:spcBef>
+                <a:spcPts val="600"/>
+              </a:spcBef>
+              <a:buSzPct val="100000"/>
+              <a:tabLst>
+                <a:tab pos="342900" algn="l"/>
+                <a:tab pos="912813" algn="l"/>
+                <a:tab pos="1827213" algn="l"/>
+                <a:tab pos="2741613" algn="l"/>
+                <a:tab pos="3656013" algn="l"/>
+                <a:tab pos="4570413" algn="l"/>
+                <a:tab pos="5484813" algn="l"/>
+                <a:tab pos="6399213" algn="l"/>
+                <a:tab pos="7313613" algn="l"/>
+                <a:tab pos="8228013" algn="l"/>
+                <a:tab pos="9142413" algn="l"/>
+                <a:tab pos="10056813" algn="l"/>
+              </a:tabLst>
+            </a:pPr>
+            <a:endParaRPr lang="pt-BR" sz="2000" b="1" dirty="0" smtClean="0">
+              <a:solidFill>
+                <a:srgbClr val="002060"/>
+              </a:solidFill>
+            </a:endParaRPr>
+          </a:p>
+          <a:p>
+            <a:pPr marL="342900" indent="-341313" algn="just">
+              <a:lnSpc>
+                <a:spcPct val="150000"/>
+              </a:lnSpc>
+              <a:spcBef>
+                <a:spcPts val="600"/>
+              </a:spcBef>
+              <a:buSzPct val="100000"/>
+              <a:tabLst>
+                <a:tab pos="342900" algn="l"/>
+                <a:tab pos="912813" algn="l"/>
+                <a:tab pos="1827213" algn="l"/>
+                <a:tab pos="2741613" algn="l"/>
+                <a:tab pos="3656013" algn="l"/>
+                <a:tab pos="4570413" algn="l"/>
+                <a:tab pos="5484813" algn="l"/>
+                <a:tab pos="6399213" algn="l"/>
+                <a:tab pos="7313613" algn="l"/>
+                <a:tab pos="8228013" algn="l"/>
+                <a:tab pos="9142413" algn="l"/>
+                <a:tab pos="10056813" algn="l"/>
+              </a:tabLst>
+            </a:pPr>
+            <a:endParaRPr lang="pt-BR" sz="2400" b="1" dirty="0">
+              <a:solidFill>
+                <a:srgbClr val="002060"/>
+              </a:solidFill>
+            </a:endParaRPr>
+          </a:p>
+        </p:txBody>
+      </p:sp>
+      <p:grpSp>
+        <p:nvGrpSpPr>
+          <p:cNvPr id="6" name="Grupo 5"/>
+          <p:cNvGrpSpPr/>
+          <p:nvPr/>
+        </p:nvGrpSpPr>
+        <p:grpSpPr>
+          <a:xfrm>
+            <a:off x="1691680" y="2897651"/>
+            <a:ext cx="5472608" cy="3549693"/>
+            <a:chOff x="1691680" y="2897651"/>
+            <a:chExt cx="5472608" cy="3549693"/>
+          </a:xfrm>
+        </p:grpSpPr>
+        <p:pic>
+          <p:nvPicPr>
+            <p:cNvPr id="1026" name="Picture 2"/>
+            <p:cNvPicPr>
+              <a:picLocks noChangeAspect="1" noChangeArrowheads="1"/>
+            </p:cNvPicPr>
+            <p:nvPr/>
+          </p:nvPicPr>
+          <p:blipFill>
+            <a:blip r:embed="rId3" cstate="print"/>
+            <a:srcRect/>
+            <a:stretch>
+              <a:fillRect/>
+            </a:stretch>
+          </p:blipFill>
+          <p:spPr bwMode="auto">
+            <a:xfrm>
+              <a:off x="1691680" y="2897651"/>
+              <a:ext cx="5472608" cy="3267653"/>
+            </a:xfrm>
+            <a:prstGeom prst="rect">
+              <a:avLst/>
+            </a:prstGeom>
+            <a:noFill/>
+            <a:ln w="9525">
+              <a:noFill/>
+              <a:miter lim="800000"/>
+              <a:headEnd/>
+              <a:tailEnd/>
+            </a:ln>
+          </p:spPr>
+        </p:pic>
+        <p:sp>
+          <p:nvSpPr>
+            <p:cNvPr id="5" name="CaixaDeTexto 4"/>
+            <p:cNvSpPr txBox="1"/>
+            <p:nvPr/>
+          </p:nvSpPr>
+          <p:spPr>
+            <a:xfrm>
+              <a:off x="4004119" y="6261373"/>
+              <a:ext cx="1166754" cy="185971"/>
+            </a:xfrm>
+            <a:prstGeom prst="rect">
+              <a:avLst/>
+            </a:prstGeom>
+            <a:noFill/>
+          </p:spPr>
+          <p:txBody>
+            <a:bodyPr wrap="square" rtlCol="0">
+              <a:spAutoFit/>
+            </a:bodyPr>
+            <a:lstStyle/>
+            <a:p>
+              <a:pPr algn="ctr"/>
+              <a:r>
+                <a:rPr lang="pt-BR" sz="900" i="1" dirty="0" smtClean="0"/>
+                <a:t>Fonte: Própria</a:t>
+              </a:r>
+              <a:endParaRPr lang="pt-BR" sz="900" i="1" dirty="0"/>
+            </a:p>
+          </p:txBody>
+        </p:sp>
+      </p:grpSp>
     </p:spTree>
   </p:cSld>
   <p:clrMapOvr>

--- a/phaser/tutorial - Tiled Map/Aula TiledMap.pptx
+++ b/phaser/tutorial - Tiled Map/Aula TiledMap.pptx
@@ -10077,8 +10077,53 @@
                   <a:srgbClr val="002060"/>
                 </a:solidFill>
               </a:rPr>
-              <a:t>Para preencher o mapa, arraste e solte o respectivo tile no local desejado. </a:t>
-            </a:r>
+              <a:t>Para preencher o mapa, arraste e solte o respectivo tile no local </a:t>
+            </a:r>
+            <a:r>
+              <a:rPr lang="pt-BR" sz="2000" b="1" dirty="0" smtClean="0">
+                <a:solidFill>
+                  <a:srgbClr val="002060"/>
+                </a:solidFill>
+              </a:rPr>
+              <a:t>desejado ou  </a:t>
+            </a:r>
+            <a:r>
+              <a:rPr lang="pt-BR" sz="2000" b="1" dirty="0" err="1" smtClean="0">
+                <a:solidFill>
+                  <a:srgbClr val="002060"/>
+                </a:solidFill>
+              </a:rPr>
+              <a:t>click</a:t>
+            </a:r>
+            <a:r>
+              <a:rPr lang="pt-BR" sz="2000" b="1" dirty="0" smtClean="0">
+                <a:solidFill>
+                  <a:srgbClr val="002060"/>
+                </a:solidFill>
+              </a:rPr>
+              <a:t> no mesmo e </a:t>
+            </a:r>
+            <a:r>
+              <a:rPr lang="pt-BR" sz="2000" b="1" dirty="0" err="1" smtClean="0">
+                <a:solidFill>
+                  <a:srgbClr val="002060"/>
+                </a:solidFill>
+              </a:rPr>
+              <a:t>click</a:t>
+            </a:r>
+            <a:r>
+              <a:rPr lang="pt-BR" sz="2000" b="1" dirty="0" smtClean="0">
+                <a:solidFill>
+                  <a:srgbClr val="002060"/>
+                </a:solidFill>
+              </a:rPr>
+              <a:t> no local desejado. </a:t>
+            </a:r>
+            <a:endParaRPr lang="pt-BR" sz="2000" b="1" dirty="0" smtClean="0">
+              <a:solidFill>
+                <a:srgbClr val="002060"/>
+              </a:solidFill>
+            </a:endParaRPr>
           </a:p>
           <a:p>
             <a:pPr marL="458787" indent="-457200" algn="just">
@@ -12198,23 +12243,7 @@
                   <a:srgbClr val="002060"/>
                 </a:solidFill>
               </a:rPr>
-              <a:t>		   </a:t>
-            </a:r>
-            <a:r>
-              <a:rPr lang="pt-BR" sz="2000" b="1" dirty="0" smtClean="0">
-                <a:solidFill>
-                  <a:srgbClr val="002060"/>
-                </a:solidFill>
-              </a:rPr>
-              <a:t>Mapa com as estrelas</a:t>
-            </a:r>
-            <a:r>
-              <a:rPr lang="pt-BR" sz="2000" b="1" dirty="0" smtClean="0">
-                <a:solidFill>
-                  <a:srgbClr val="002060"/>
-                </a:solidFill>
-              </a:rPr>
-              <a:t>: </a:t>
+              <a:t>		   Mapa com as estrelas: </a:t>
             </a:r>
           </a:p>
           <a:p>
@@ -15388,21 +15417,8 @@
                   <a:srgbClr val="002060"/>
                 </a:solidFill>
               </a:rPr>
-              <a:t>Crie </a:t>
-            </a:r>
-            <a:r>
-              <a:rPr lang="pt-BR" sz="2000" b="1" dirty="0" smtClean="0">
-                <a:solidFill>
-                  <a:srgbClr val="002060"/>
-                </a:solidFill>
-              </a:rPr>
-              <a:t>suas camadas e grupos.</a:t>
-            </a:r>
-            <a:endParaRPr lang="pt-BR" sz="2000" b="1" dirty="0" smtClean="0">
-              <a:solidFill>
-                <a:srgbClr val="002060"/>
-              </a:solidFill>
-            </a:endParaRPr>
+              <a:t>Crie suas camadas e grupos.</a:t>
+            </a:r>
           </a:p>
           <a:p>
             <a:pPr marL="342900" indent="-341313" algn="just">
@@ -15843,13 +15859,8 @@
             </a:r>
             <a:r>
               <a:rPr lang="pt-BR" b="1" dirty="0" smtClean="0"/>
-              <a:t>(</a:t>
-            </a:r>
-            <a:r>
-              <a:rPr lang="pt-BR" b="1" dirty="0" smtClean="0"/>
-              <a:t>'Camada de Tiles 1');</a:t>
-            </a:r>
-            <a:endParaRPr lang="pt-BR" b="1" dirty="0" smtClean="0"/>
+              <a:t>('Camada de Tiles 1');</a:t>
+            </a:r>
           </a:p>
           <a:p>
             <a:pPr marL="458787" indent="-457200" algn="just">
@@ -15962,15 +15973,7 @@
             </a:r>
             <a:r>
               <a:rPr lang="pt-BR" b="1" dirty="0" smtClean="0"/>
-              <a:t>,</a:t>
-            </a:r>
-            <a:r>
-              <a:rPr lang="pt-BR" b="1" dirty="0" smtClean="0"/>
-              <a:t>'Camada de Tiles 1');    </a:t>
-            </a:r>
-            <a:r>
-              <a:rPr lang="pt-BR" b="1" dirty="0" smtClean="0"/>
-              <a:t>{...}</a:t>
+              <a:t>,'Camada de Tiles 1');    {...}</a:t>
             </a:r>
             <a:endParaRPr lang="pt-BR" dirty="0"/>
           </a:p>
@@ -16149,29 +16152,8 @@
                   <a:srgbClr val="002060"/>
                 </a:solidFill>
               </a:rPr>
-              <a:t>Crie </a:t>
-            </a:r>
-            <a:r>
-              <a:rPr lang="pt-BR" sz="2000" b="1" dirty="0" smtClean="0">
-                <a:solidFill>
-                  <a:srgbClr val="002060"/>
-                </a:solidFill>
-              </a:rPr>
-              <a:t>um </a:t>
-            </a:r>
-            <a:r>
-              <a:rPr lang="pt-BR" sz="2000" b="1" dirty="0" smtClean="0">
-                <a:solidFill>
-                  <a:srgbClr val="002060"/>
-                </a:solidFill>
-              </a:rPr>
-              <a:t>grupo para as estrelas.</a:t>
-            </a:r>
-            <a:endParaRPr lang="pt-BR" sz="2000" b="1" dirty="0" smtClean="0">
-              <a:solidFill>
-                <a:srgbClr val="002060"/>
-              </a:solidFill>
-            </a:endParaRPr>
+              <a:t>Crie um grupo para as estrelas.</a:t>
+            </a:r>
           </a:p>
           <a:p>
             <a:pPr marL="342900" indent="-341313" algn="just">
@@ -16442,15 +16424,7 @@
             </a:r>
             <a:r>
               <a:rPr lang="pt-BR" sz="1700" b="1" dirty="0" smtClean="0"/>
-              <a:t> ('Camada de </a:t>
-            </a:r>
-            <a:r>
-              <a:rPr lang="pt-BR" sz="1700" b="1" dirty="0" smtClean="0"/>
-              <a:t>Objetos 1',17, </a:t>
-            </a:r>
-            <a:r>
-              <a:rPr lang="pt-BR" sz="1700" b="1" dirty="0" smtClean="0"/>
-              <a:t>'star',0,</a:t>
+              <a:t> ('Camada de Objetos 1',17, 'star',0,</a:t>
             </a:r>
             <a:r>
               <a:rPr lang="pt-BR" sz="1700" b="1" dirty="0" err="1" smtClean="0"/>
@@ -16559,15 +16533,7 @@
             </a:r>
             <a:r>
               <a:rPr lang="pt-BR" b="1" dirty="0" smtClean="0"/>
-              <a:t>);</a:t>
-            </a:r>
-            <a:r>
-              <a:rPr lang="pt-BR" b="1" dirty="0" smtClean="0"/>
-              <a:t>    </a:t>
-            </a:r>
-            <a:r>
-              <a:rPr lang="pt-BR" b="1" dirty="0" smtClean="0"/>
-              <a:t>{...}</a:t>
+              <a:t>);    {...}</a:t>
             </a:r>
             <a:endParaRPr lang="pt-BR" dirty="0"/>
           </a:p>
@@ -16746,37 +16712,8 @@
                   <a:srgbClr val="002060"/>
                 </a:solidFill>
               </a:rPr>
-              <a:t>Trate as colisões </a:t>
-            </a:r>
-            <a:r>
-              <a:rPr lang="pt-BR" sz="2000" b="1" dirty="0" smtClean="0">
-                <a:solidFill>
-                  <a:srgbClr val="002060"/>
-                </a:solidFill>
-              </a:rPr>
-              <a:t> do jogador com </a:t>
-            </a:r>
-            <a:r>
-              <a:rPr lang="pt-BR" sz="2000" b="1" dirty="0" smtClean="0">
-                <a:solidFill>
-                  <a:srgbClr val="002060"/>
-                </a:solidFill>
-              </a:rPr>
-              <a:t>as </a:t>
-            </a:r>
-            <a:r>
-              <a:rPr lang="pt-BR" sz="2000" b="1" dirty="0" smtClean="0">
-                <a:solidFill>
-                  <a:srgbClr val="002060"/>
-                </a:solidFill>
-              </a:rPr>
-              <a:t>camadas e as estrelas. </a:t>
-            </a:r>
-            <a:endParaRPr lang="pt-BR" sz="2000" b="1" dirty="0" smtClean="0">
-              <a:solidFill>
-                <a:srgbClr val="002060"/>
-              </a:solidFill>
-            </a:endParaRPr>
+              <a:t>Trate as colisões  do jogador com as camadas e as estrelas. </a:t>
+            </a:r>
           </a:p>
           <a:p>
             <a:pPr marL="342900" indent="-341313" algn="just">
@@ -17129,7 +17066,6 @@
               <a:rPr lang="pt-BR" b="1" dirty="0" smtClean="0"/>
               <a:t>);</a:t>
             </a:r>
-            <a:endParaRPr lang="pt-BR" b="1" dirty="0" smtClean="0"/>
           </a:p>
           <a:p>
             <a:pPr marL="458787" indent="-457200" algn="just">
@@ -17157,11 +17093,7 @@
             </a:pPr>
             <a:r>
               <a:rPr lang="pt-BR" b="1" dirty="0" smtClean="0"/>
-              <a:t>	</a:t>
-            </a:r>
-            <a:r>
-              <a:rPr lang="pt-BR" b="1" dirty="0" smtClean="0"/>
-              <a:t>...}</a:t>
+              <a:t>	...}</a:t>
             </a:r>
           </a:p>
           <a:p>
@@ -17214,13 +17146,8 @@
             </a:r>
             <a:r>
               <a:rPr lang="pt-BR" b="1" dirty="0" smtClean="0"/>
-              <a:t>,star</a:t>
-            </a:r>
-            <a:r>
-              <a:rPr lang="pt-BR" b="1" dirty="0" smtClean="0"/>
-              <a:t>) {</a:t>
-            </a:r>
-            <a:endParaRPr lang="pt-BR" b="1" dirty="0" smtClean="0"/>
+              <a:t>,star) {</a:t>
+            </a:r>
           </a:p>
           <a:p>
             <a:pPr marL="458787" indent="-457200" algn="just">
@@ -17245,11 +17172,7 @@
             </a:pPr>
             <a:r>
               <a:rPr lang="pt-BR" b="1" dirty="0" smtClean="0"/>
-              <a:t>	</a:t>
-            </a:r>
-            <a:r>
-              <a:rPr lang="pt-BR" b="1" dirty="0" smtClean="0"/>
-              <a:t>		star.</a:t>
+              <a:t>			star.</a:t>
             </a:r>
             <a:r>
               <a:rPr lang="pt-BR" b="1" dirty="0" err="1" smtClean="0"/>
@@ -18746,8 +18669,6 @@
                 <a:spcPts val="600"/>
               </a:spcBef>
               <a:buSzPct val="100000"/>
-              <a:buFont typeface="Wingdings" pitchFamily="2" charset="2"/>
-              <a:buChar char="ü"/>
               <a:tabLst>
                 <a:tab pos="342900" algn="l"/>
                 <a:tab pos="912813" algn="l"/>
@@ -19600,23 +19521,7 @@
                   <a:srgbClr val="002060"/>
                 </a:solidFill>
               </a:rPr>
-              <a:t>		O espaço para construção de mapas é </a:t>
-            </a:r>
-            <a:r>
-              <a:rPr lang="pt-BR" sz="2000" b="1" smtClean="0">
-                <a:solidFill>
-                  <a:srgbClr val="002060"/>
-                </a:solidFill>
-              </a:rPr>
-              <a:t>como um </a:t>
-            </a:r>
-            <a:r>
-              <a:rPr lang="pt-BR" sz="2000" b="1" dirty="0" smtClean="0">
-                <a:solidFill>
-                  <a:srgbClr val="002060"/>
-                </a:solidFill>
-              </a:rPr>
-              <a:t>mosaico, que será preenchido por </a:t>
+              <a:t>		O espaço para construção de mapas é como um mosaico, que será preenchido por </a:t>
             </a:r>
             <a:r>
               <a:rPr lang="pt-BR" sz="2000" b="1" i="1" u="sng" dirty="0" smtClean="0">
